--- a/images/zerocopy_inter.pptx
+++ b/images/zerocopy_inter.pptx
@@ -259,7 +259,7 @@
           <a:p>
             <a:fld id="{B3731239-19C4-4443-BAF1-DABE2D47B37C}" type="datetimeFigureOut">
               <a:rPr lang="en-US" smtClean="0"/>
-              <a:t>1/25/2019</a:t>
+              <a:t>1/27/19</a:t>
             </a:fld>
             <a:endParaRPr lang="en-US"/>
           </a:p>
@@ -457,7 +457,7 @@
           <a:p>
             <a:fld id="{B3731239-19C4-4443-BAF1-DABE2D47B37C}" type="datetimeFigureOut">
               <a:rPr lang="en-US" smtClean="0"/>
-              <a:t>1/25/2019</a:t>
+              <a:t>1/27/19</a:t>
             </a:fld>
             <a:endParaRPr lang="en-US"/>
           </a:p>
@@ -665,7 +665,7 @@
           <a:p>
             <a:fld id="{B3731239-19C4-4443-BAF1-DABE2D47B37C}" type="datetimeFigureOut">
               <a:rPr lang="en-US" smtClean="0"/>
-              <a:t>1/25/2019</a:t>
+              <a:t>1/27/19</a:t>
             </a:fld>
             <a:endParaRPr lang="en-US"/>
           </a:p>
@@ -863,7 +863,7 @@
           <a:p>
             <a:fld id="{B3731239-19C4-4443-BAF1-DABE2D47B37C}" type="datetimeFigureOut">
               <a:rPr lang="en-US" smtClean="0"/>
-              <a:t>1/25/2019</a:t>
+              <a:t>1/27/19</a:t>
             </a:fld>
             <a:endParaRPr lang="en-US"/>
           </a:p>
@@ -1138,7 +1138,7 @@
           <a:p>
             <a:fld id="{B3731239-19C4-4443-BAF1-DABE2D47B37C}" type="datetimeFigureOut">
               <a:rPr lang="en-US" smtClean="0"/>
-              <a:t>1/25/2019</a:t>
+              <a:t>1/27/19</a:t>
             </a:fld>
             <a:endParaRPr lang="en-US"/>
           </a:p>
@@ -1403,7 +1403,7 @@
           <a:p>
             <a:fld id="{B3731239-19C4-4443-BAF1-DABE2D47B37C}" type="datetimeFigureOut">
               <a:rPr lang="en-US" smtClean="0"/>
-              <a:t>1/25/2019</a:t>
+              <a:t>1/27/19</a:t>
             </a:fld>
             <a:endParaRPr lang="en-US"/>
           </a:p>
@@ -1815,7 +1815,7 @@
           <a:p>
             <a:fld id="{B3731239-19C4-4443-BAF1-DABE2D47B37C}" type="datetimeFigureOut">
               <a:rPr lang="en-US" smtClean="0"/>
-              <a:t>1/25/2019</a:t>
+              <a:t>1/27/19</a:t>
             </a:fld>
             <a:endParaRPr lang="en-US"/>
           </a:p>
@@ -1956,7 +1956,7 @@
           <a:p>
             <a:fld id="{B3731239-19C4-4443-BAF1-DABE2D47B37C}" type="datetimeFigureOut">
               <a:rPr lang="en-US" smtClean="0"/>
-              <a:t>1/25/2019</a:t>
+              <a:t>1/27/19</a:t>
             </a:fld>
             <a:endParaRPr lang="en-US"/>
           </a:p>
@@ -2069,7 +2069,7 @@
           <a:p>
             <a:fld id="{B3731239-19C4-4443-BAF1-DABE2D47B37C}" type="datetimeFigureOut">
               <a:rPr lang="en-US" smtClean="0"/>
-              <a:t>1/25/2019</a:t>
+              <a:t>1/27/19</a:t>
             </a:fld>
             <a:endParaRPr lang="en-US"/>
           </a:p>
@@ -2380,7 +2380,7 @@
           <a:p>
             <a:fld id="{B3731239-19C4-4443-BAF1-DABE2D47B37C}" type="datetimeFigureOut">
               <a:rPr lang="en-US" smtClean="0"/>
-              <a:t>1/25/2019</a:t>
+              <a:t>1/27/19</a:t>
             </a:fld>
             <a:endParaRPr lang="en-US"/>
           </a:p>
@@ -2668,7 +2668,7 @@
           <a:p>
             <a:fld id="{B3731239-19C4-4443-BAF1-DABE2D47B37C}" type="datetimeFigureOut">
               <a:rPr lang="en-US" smtClean="0"/>
-              <a:t>1/25/2019</a:t>
+              <a:t>1/27/19</a:t>
             </a:fld>
             <a:endParaRPr lang="en-US"/>
           </a:p>
@@ -2909,7 +2909,7 @@
           <a:p>
             <a:fld id="{B3731239-19C4-4443-BAF1-DABE2D47B37C}" type="datetimeFigureOut">
               <a:rPr lang="en-US" smtClean="0"/>
-              <a:t>1/25/2019</a:t>
+              <a:t>1/27/19</a:t>
             </a:fld>
             <a:endParaRPr lang="en-US"/>
           </a:p>
@@ -4040,8 +4040,8 @@
         </p:nvSpPr>
         <p:spPr>
           <a:xfrm>
-            <a:off x="3863819" y="1390021"/>
-            <a:ext cx="309700" cy="369332"/>
+            <a:off x="3842047" y="1390021"/>
+            <a:ext cx="367408" cy="369332"/>
           </a:xfrm>
           <a:prstGeom prst="rect">
             <a:avLst/>
@@ -4056,7 +4056,7 @@
           <a:p>
             <a:r>
               <a:rPr lang="en-US" dirty="0"/>
-              <a:t>B</a:t>
+              <a:t>B’</a:t>
             </a:r>
           </a:p>
         </p:txBody>
